--- a/2022-04-01 404 NOT FOUND/2022-04-01 404 NOT FOUND.pptx
+++ b/2022-04-01 404 NOT FOUND/2022-04-01 404 NOT FOUND.pptx
@@ -4950,7 +4950,14 @@
           <a:p>
             <a:r>
               <a:rPr lang="zh-CN" altLang="en-US" dirty="0"/>
-              <a:t>每周闲聊第 </a:t>
+              <a:t>不定期闲聊</a:t>
+            </a:r>
+            <a:endParaRPr lang="en-US" altLang="zh-CN" dirty="0"/>
+          </a:p>
+          <a:p>
+            <a:r>
+              <a:rPr lang="zh-CN" altLang="en-US" dirty="0"/>
+              <a:t>第 </a:t>
             </a:r>
             <a:r>
               <a:rPr lang="en-US" altLang="zh-CN" dirty="0"/>
@@ -5571,7 +5578,7 @@
           <a:p>
             <a:r>
               <a:rPr lang="zh-CN" altLang="en-US" dirty="0"/>
-              <a:t>我们能做什么？</a:t>
+              <a:t>我们能做点什么呢？</a:t>
             </a:r>
           </a:p>
         </p:txBody>
